--- a/platform/documentation/Platform_Installation_Guide_for_Windows.pptx
+++ b/platform/documentation/Platform_Installation_Guide_for_Windows.pptx
@@ -10426,18 +10426,6 @@
               </a:rPr>
               <a:t>package</a:t>
             </a:r>
-            <a:r>
-              <a:rPr lang="es-ES" dirty="0">
-                <a:latin typeface="Consolas" panose="020B0609020204030204" pitchFamily="49" charset="0"/>
-              </a:rPr>
-              <a:t> -</a:t>
-            </a:r>
-            <a:r>
-              <a:rPr lang="es-ES" dirty="0" err="1">
-                <a:latin typeface="Consolas" panose="020B0609020204030204" pitchFamily="49" charset="0"/>
-              </a:rPr>
-              <a:t>DskipTests</a:t>
-            </a:r>
             <a:endParaRPr lang="es-ES" dirty="0">
               <a:latin typeface="Consolas" panose="020B0609020204030204" pitchFamily="49" charset="0"/>
             </a:endParaRPr>

--- a/platform/documentation/Platform_Installation_Guide_for_Windows.pptx
+++ b/platform/documentation/Platform_Installation_Guide_for_Windows.pptx
@@ -7101,7 +7101,60 @@
             </a:r>
           </a:p>
           <a:p>
-            <a:endParaRPr lang="de-DE" dirty="0"/>
+            <a:pPr marL="0" indent="0">
+              <a:buNone/>
+            </a:pPr>
+            <a:endParaRPr lang="en-GB" dirty="0"/>
+          </a:p>
+          <a:p>
+            <a:r>
+              <a:rPr lang="en-GB" dirty="0"/>
+              <a:t>You have IDE Eclipse environment install and ready to use with a workspace (</a:t>
+            </a:r>
+            <a:r>
+              <a:rPr lang="en-GB" b="1" dirty="0"/>
+              <a:t>eclipse-workspace</a:t>
+            </a:r>
+            <a:r>
+              <a:rPr lang="en-GB" dirty="0"/>
+              <a:t>) that has </a:t>
+            </a:r>
+            <a:r>
+              <a:rPr lang="en-GB" dirty="0" err="1"/>
+              <a:t>Impl.model</a:t>
+            </a:r>
+            <a:r>
+              <a:rPr lang="en-GB" dirty="0"/>
+              <a:t> project.</a:t>
+            </a:r>
+          </a:p>
+          <a:p>
+            <a:endParaRPr lang="en-GB" dirty="0"/>
+          </a:p>
+          <a:p>
+            <a:r>
+              <a:rPr lang="en-GB" dirty="0"/>
+              <a:t>You have platform install and running (the logs are in </a:t>
+            </a:r>
+            <a:r>
+              <a:rPr lang="de-DE" dirty="0"/>
+              <a:t>/root/</a:t>
+            </a:r>
+            <a:r>
+              <a:rPr lang="de-DE" dirty="0" err="1"/>
+              <a:t>platform</a:t>
+            </a:r>
+            <a:r>
+              <a:rPr lang="de-DE" dirty="0"/>
+              <a:t>/logs</a:t>
+            </a:r>
+            <a:r>
+              <a:rPr lang="en-GB" dirty="0"/>
+              <a:t>)</a:t>
+            </a:r>
+          </a:p>
+          <a:p>
+            <a:endParaRPr lang="en-GB" dirty="0"/>
           </a:p>
           <a:p>
             <a:r>
@@ -7111,53 +7164,6 @@
           </a:p>
           <a:p>
             <a:endParaRPr lang="en-GB" dirty="0"/>
-          </a:p>
-          <a:p>
-            <a:r>
-              <a:rPr lang="en-GB" dirty="0"/>
-              <a:t>You have IDE Eclipse environment install and ready to use with a workspace (</a:t>
-            </a:r>
-            <a:r>
-              <a:rPr lang="en-GB" b="1" dirty="0"/>
-              <a:t>eclipse-workspace</a:t>
-            </a:r>
-            <a:r>
-              <a:rPr lang="en-GB" dirty="0"/>
-              <a:t>) that has </a:t>
-            </a:r>
-            <a:r>
-              <a:rPr lang="en-GB" dirty="0" err="1"/>
-              <a:t>Impl.model</a:t>
-            </a:r>
-            <a:r>
-              <a:rPr lang="en-GB" dirty="0"/>
-              <a:t> project.</a:t>
-            </a:r>
-          </a:p>
-          <a:p>
-            <a:endParaRPr lang="en-GB" dirty="0"/>
-          </a:p>
-          <a:p>
-            <a:r>
-              <a:rPr lang="en-GB" dirty="0"/>
-              <a:t>You have platform install and running (the logs are in </a:t>
-            </a:r>
-            <a:r>
-              <a:rPr lang="de-DE" dirty="0"/>
-              <a:t>/root/</a:t>
-            </a:r>
-            <a:r>
-              <a:rPr lang="de-DE" dirty="0" err="1"/>
-              <a:t>platform</a:t>
-            </a:r>
-            <a:r>
-              <a:rPr lang="de-DE" dirty="0"/>
-              <a:t>/logs</a:t>
-            </a:r>
-            <a:r>
-              <a:rPr lang="en-GB" dirty="0"/>
-              <a:t>)</a:t>
-            </a:r>
           </a:p>
         </p:txBody>
       </p:sp>
@@ -11402,7 +11408,7 @@
 </file>
 
 <file path=ppt/slides/slide3.xml><?xml version="1.0" encoding="utf-8"?>
-<p:sld xmlns:a="http://schemas.openxmlformats.org/drawingml/2006/main" xmlns:r="http://schemas.openxmlformats.org/officeDocument/2006/relationships" xmlns:p="http://schemas.openxmlformats.org/presentationml/2006/main">
+<p:sld xmlns:a="http://schemas.openxmlformats.org/drawingml/2006/main" xmlns:r="http://schemas.openxmlformats.org/officeDocument/2006/relationships" xmlns:p="http://schemas.openxmlformats.org/presentationml/2006/main" show="0">
   <p:cSld>
     <p:spTree>
       <p:nvGrpSpPr>
@@ -14728,8 +14734,8 @@
         </p:nvSpPr>
         <p:spPr>
           <a:xfrm>
-            <a:off x="650240" y="1450236"/>
-            <a:ext cx="5808618" cy="4963090"/>
+            <a:off x="650239" y="1450236"/>
+            <a:ext cx="6111507" cy="4963090"/>
           </a:xfrm>
         </p:spPr>
         <p:txBody>
@@ -14738,8 +14744,49 @@
           <a:p>
             <a:r>
               <a:rPr lang="en-GB" dirty="0"/>
-              <a:t>To add the new device/pc as resource in the platform run the following scripts on the new device/pc</a:t>
-            </a:r>
+              <a:t>To add the new </a:t>
+            </a:r>
+            <a:r>
+              <a:rPr lang="en-DE" dirty="0"/>
+              <a:t>PC</a:t>
+            </a:r>
+            <a:r>
+              <a:rPr lang="de-DE" dirty="0"/>
+              <a:t>/</a:t>
+            </a:r>
+            <a:r>
+              <a:rPr lang="en-DE" dirty="0"/>
+              <a:t>Device </a:t>
+            </a:r>
+            <a:r>
+              <a:rPr lang="en-GB" dirty="0"/>
+              <a:t>as resource in the platform run the following scripts on the new </a:t>
+            </a:r>
+            <a:r>
+              <a:rPr lang="en-DE" dirty="0"/>
+              <a:t>PC</a:t>
+            </a:r>
+            <a:r>
+              <a:rPr lang="de-DE" dirty="0"/>
+              <a:t>/</a:t>
+            </a:r>
+            <a:r>
+              <a:rPr lang="en-DE" dirty="0"/>
+              <a:t>Device</a:t>
+            </a:r>
+            <a:r>
+              <a:rPr lang="de-DE" dirty="0"/>
+              <a:t>,</a:t>
+            </a:r>
+            <a:r>
+              <a:rPr lang="en-GB" dirty="0"/>
+              <a:t> each one in separate terminal</a:t>
+            </a:r>
+            <a:r>
+              <a:rPr lang="en-DE" dirty="0"/>
+              <a:t> </a:t>
+            </a:r>
+            <a:endParaRPr lang="en-GB" dirty="0"/>
           </a:p>
           <a:p>
             <a:pPr marL="457200" lvl="1" indent="0">
@@ -14766,7 +14813,7 @@
           <a:p>
             <a:r>
               <a:rPr lang="en-GB" dirty="0"/>
-              <a:t>Or just run the following script (share the same memory)</a:t>
+              <a:t>Or just run the following script in separate terminal (share the same memory)</a:t>
             </a:r>
           </a:p>
           <a:p>
@@ -14813,7 +14860,7 @@
             </a:r>
             <a:r>
               <a:rPr lang="en-DE" dirty="0"/>
-              <a:t>device should be listed as a platform resource </a:t>
+              <a:t>Device should be listed as a platform resource </a:t>
             </a:r>
           </a:p>
         </p:txBody>
@@ -14885,7 +14932,7 @@
         </p:blipFill>
         <p:spPr>
           <a:xfrm>
-            <a:off x="6631039" y="1466530"/>
+            <a:off x="6761746" y="1466530"/>
             <a:ext cx="5078889" cy="2465251"/>
           </a:xfrm>
           <a:prstGeom prst="rect">
@@ -14946,7 +14993,7 @@
           <a:p>
             <a:r>
               <a:rPr lang="en-GB" dirty="0"/>
-              <a:t>The difference between a PC/ pc like device and an Edge devices is (in case that Edge device only supports Java 8)</a:t>
+              <a:t>The difference between a device and an Edge devices is (in case that Edge device only supports Java 8)</a:t>
             </a:r>
           </a:p>
           <a:p>
